--- a/electrical_diagram/powerpoint.pptx
+++ b/electrical_diagram/powerpoint.pptx
@@ -5051,8 +5051,8 @@
         </p:nvCxnSpPr>
         <p:spPr>
           <a:xfrm rot="16200000" flipH="1">
-            <a:off x="719300" y="3465384"/>
-            <a:ext cx="3158049" cy="826143"/>
+            <a:off x="649813" y="3534871"/>
+            <a:ext cx="3138289" cy="667408"/>
           </a:xfrm>
           <a:prstGeom prst="bentConnector2">
             <a:avLst/>
@@ -5304,18 +5304,22 @@
             </a:extLst>
           </p:cNvPr>
           <p:cNvCxnSpPr>
+            <a:cxnSpLocks/>
             <a:stCxn id="62" idx="1"/>
-            <a:endCxn id="85" idx="3"/>
+            <a:endCxn id="134" idx="2"/>
           </p:cNvCxnSpPr>
           <p:nvPr/>
         </p:nvCxnSpPr>
         <p:spPr>
-          <a:xfrm rot="5400000" flipH="1" flipV="1">
-            <a:off x="4243069" y="4284370"/>
-            <a:ext cx="322880" cy="1890234"/>
+          <a:xfrm rot="16200000" flipH="1">
+            <a:off x="3320915" y="5350909"/>
+            <a:ext cx="514418" cy="554934"/>
           </a:xfrm>
-          <a:prstGeom prst="bentConnector2">
-            <a:avLst/>
+          <a:prstGeom prst="bentConnector4">
+            <a:avLst>
+              <a:gd name="adj1" fmla="val -52467"/>
+              <a:gd name="adj2" fmla="val 56001"/>
+            </a:avLst>
           </a:prstGeom>
           <a:ln w="25400">
             <a:tailEnd type="triangle"/>
@@ -5354,8 +5358,8 @@
         </p:nvCxnSpPr>
         <p:spPr>
           <a:xfrm rot="5400000" flipH="1" flipV="1">
-            <a:off x="3459926" y="3342641"/>
-            <a:ext cx="2047752" cy="2048820"/>
+            <a:off x="3390438" y="3253394"/>
+            <a:ext cx="2027992" cy="2207555"/>
           </a:xfrm>
           <a:prstGeom prst="bentConnector2">
             <a:avLst/>
@@ -5939,24 +5943,25 @@
           <p:cNvCxnSpPr>
             <a:cxnSpLocks/>
             <a:stCxn id="84" idx="3"/>
-            <a:endCxn id="47" idx="3"/>
+            <a:endCxn id="135" idx="0"/>
           </p:cNvCxnSpPr>
           <p:nvPr/>
         </p:nvCxnSpPr>
         <p:spPr>
-          <a:xfrm rot="10800000">
-            <a:off x="4591591" y="2294493"/>
-            <a:ext cx="760070" cy="2866272"/>
+          <a:xfrm rot="10800000" flipH="1" flipV="1">
+            <a:off x="5351664" y="5160767"/>
+            <a:ext cx="48888" cy="598483"/>
           </a:xfrm>
-          <a:prstGeom prst="bentConnector2">
-            <a:avLst/>
+          <a:prstGeom prst="bentConnector5">
+            <a:avLst>
+              <a:gd name="adj1" fmla="val -331216"/>
+              <a:gd name="adj2" fmla="val 42409"/>
+              <a:gd name="adj3" fmla="val 406863"/>
+            </a:avLst>
           </a:prstGeom>
           <a:ln w="25400">
             <a:solidFill>
-              <a:schemeClr val="accent5">
-                <a:lumMod val="60000"/>
-                <a:lumOff val="40000"/>
-              </a:schemeClr>
+              <a:schemeClr val="accent1"/>
             </a:solidFill>
             <a:tailEnd type="triangle"/>
           </a:ln>
@@ -5990,7 +5995,7 @@
         </p:nvGrpSpPr>
         <p:grpSpPr>
           <a:xfrm>
-            <a:off x="2560981" y="5390927"/>
+            <a:off x="2402246" y="5371167"/>
             <a:ext cx="1080000" cy="1246128"/>
             <a:chOff x="2689761" y="3295892"/>
             <a:chExt cx="1080000" cy="1246128"/>
@@ -6879,13 +6884,13 @@
         </p:nvCxnSpPr>
         <p:spPr>
           <a:xfrm rot="5400000" flipH="1" flipV="1">
-            <a:off x="4799432" y="3442544"/>
-            <a:ext cx="608346" cy="3288427"/>
+            <a:off x="4729946" y="3353292"/>
+            <a:ext cx="588586" cy="3447165"/>
           </a:xfrm>
           <a:prstGeom prst="bentConnector4">
             <a:avLst>
-              <a:gd name="adj1" fmla="val 267700"/>
-              <a:gd name="adj2" fmla="val 118828"/>
+              <a:gd name="adj1" fmla="val 273154"/>
+              <a:gd name="adj2" fmla="val 108001"/>
             </a:avLst>
           </a:prstGeom>
           <a:ln w="25400">
@@ -6930,7 +6935,7 @@
           </a:xfrm>
           <a:prstGeom prst="bentConnector3">
             <a:avLst>
-              <a:gd name="adj1" fmla="val -10839"/>
+              <a:gd name="adj1" fmla="val -29021"/>
             </a:avLst>
           </a:prstGeom>
           <a:ln w="25400">
@@ -8756,6 +8761,408 @@
             <a:solidFill>
               <a:schemeClr val="accent4">
                 <a:lumMod val="75000"/>
+              </a:schemeClr>
+            </a:solidFill>
+            <a:tailEnd type="triangle"/>
+          </a:ln>
+        </p:spPr>
+        <p:style>
+          <a:lnRef idx="1">
+            <a:schemeClr val="accent1"/>
+          </a:lnRef>
+          <a:fillRef idx="0">
+            <a:schemeClr val="accent1"/>
+          </a:fillRef>
+          <a:effectRef idx="0">
+            <a:schemeClr val="accent1"/>
+          </a:effectRef>
+          <a:fontRef idx="minor">
+            <a:schemeClr val="tx1"/>
+          </a:fontRef>
+        </p:style>
+      </p:cxnSp>
+      <p:grpSp>
+        <p:nvGrpSpPr>
+          <p:cNvPr id="57" name="Groupe 56">
+            <a:extLst>
+              <a:ext uri="{FF2B5EF4-FFF2-40B4-BE49-F238E27FC236}">
+                <a16:creationId xmlns:a16="http://schemas.microsoft.com/office/drawing/2014/main" id="{5D5CD326-EDB4-4058-9793-CD9A68D55A43}"/>
+              </a:ext>
+            </a:extLst>
+          </p:cNvPr>
+          <p:cNvGrpSpPr/>
+          <p:nvPr/>
+        </p:nvGrpSpPr>
+        <p:grpSpPr>
+          <a:xfrm>
+            <a:off x="3855591" y="5591654"/>
+            <a:ext cx="1545631" cy="472319"/>
+            <a:chOff x="3855591" y="5591654"/>
+            <a:chExt cx="1545631" cy="472319"/>
+          </a:xfrm>
+        </p:grpSpPr>
+        <p:sp>
+          <p:nvSpPr>
+            <p:cNvPr id="132" name="Rectangle 131">
+              <a:extLst>
+                <a:ext uri="{FF2B5EF4-FFF2-40B4-BE49-F238E27FC236}">
+                  <a16:creationId xmlns:a16="http://schemas.microsoft.com/office/drawing/2014/main" id="{E9698D09-F3D7-4998-B873-51104360ACBC}"/>
+                </a:ext>
+              </a:extLst>
+            </p:cNvPr>
+            <p:cNvSpPr/>
+            <p:nvPr/>
+          </p:nvSpPr>
+          <p:spPr>
+            <a:xfrm>
+              <a:off x="3855591" y="5591654"/>
+              <a:ext cx="1545631" cy="472319"/>
+            </a:xfrm>
+            <a:prstGeom prst="rect">
+              <a:avLst/>
+            </a:prstGeom>
+            <a:solidFill>
+              <a:schemeClr val="accent1">
+                <a:lumMod val="75000"/>
+              </a:schemeClr>
+            </a:solidFill>
+            <a:ln w="25400">
+              <a:solidFill>
+                <a:schemeClr val="tx1"/>
+              </a:solidFill>
+            </a:ln>
+          </p:spPr>
+          <p:style>
+            <a:lnRef idx="2">
+              <a:schemeClr val="accent1">
+                <a:shade val="50000"/>
+              </a:schemeClr>
+            </a:lnRef>
+            <a:fillRef idx="1">
+              <a:schemeClr val="accent1"/>
+            </a:fillRef>
+            <a:effectRef idx="0">
+              <a:schemeClr val="accent1"/>
+            </a:effectRef>
+            <a:fontRef idx="minor">
+              <a:schemeClr val="lt1"/>
+            </a:fontRef>
+          </p:style>
+          <p:txBody>
+            <a:bodyPr rtlCol="0" anchor="ctr"/>
+            <a:lstStyle/>
+            <a:p>
+              <a:pPr algn="ctr"/>
+              <a:r>
+                <a:rPr lang="fr-FR" sz="1200" dirty="0"/>
+                <a:t>Voltage </a:t>
+              </a:r>
+              <a:r>
+                <a:rPr lang="fr-FR" sz="1200" dirty="0" err="1"/>
+                <a:t>reducer</a:t>
+              </a:r>
+              <a:endParaRPr lang="fr-FR" sz="1200" dirty="0"/>
+            </a:p>
+            <a:p>
+              <a:pPr algn="ctr"/>
+              <a:r>
+                <a:rPr lang="fr-FR" sz="1200" dirty="0"/>
+                <a:t>(lien)</a:t>
+              </a:r>
+            </a:p>
+          </p:txBody>
+        </p:sp>
+        <p:sp>
+          <p:nvSpPr>
+            <p:cNvPr id="133" name="Rectangle 132">
+              <a:extLst>
+                <a:ext uri="{FF2B5EF4-FFF2-40B4-BE49-F238E27FC236}">
+                  <a16:creationId xmlns:a16="http://schemas.microsoft.com/office/drawing/2014/main" id="{E39262AF-0BA4-4AE6-8720-87252807F936}"/>
+                </a:ext>
+              </a:extLst>
+            </p:cNvPr>
+            <p:cNvSpPr/>
+            <p:nvPr/>
+          </p:nvSpPr>
+          <p:spPr>
+            <a:xfrm rot="5400000">
+              <a:off x="3855638" y="5685879"/>
+              <a:ext cx="133106" cy="133200"/>
+            </a:xfrm>
+            <a:prstGeom prst="rect">
+              <a:avLst/>
+            </a:prstGeom>
+            <a:ln w="25400">
+              <a:solidFill>
+                <a:schemeClr val="tx1"/>
+              </a:solidFill>
+            </a:ln>
+          </p:spPr>
+          <p:style>
+            <a:lnRef idx="2">
+              <a:schemeClr val="accent1">
+                <a:shade val="50000"/>
+              </a:schemeClr>
+            </a:lnRef>
+            <a:fillRef idx="1">
+              <a:schemeClr val="accent1"/>
+            </a:fillRef>
+            <a:effectRef idx="0">
+              <a:schemeClr val="accent1"/>
+            </a:effectRef>
+            <a:fontRef idx="minor">
+              <a:schemeClr val="lt1"/>
+            </a:fontRef>
+          </p:style>
+          <p:txBody>
+            <a:bodyPr rtlCol="0" anchor="ctr"/>
+            <a:lstStyle/>
+            <a:p>
+              <a:pPr algn="ctr"/>
+              <a:endParaRPr lang="fr-FR" dirty="0"/>
+            </a:p>
+          </p:txBody>
+        </p:sp>
+        <p:sp>
+          <p:nvSpPr>
+            <p:cNvPr id="134" name="Rectangle 133">
+              <a:extLst>
+                <a:ext uri="{FF2B5EF4-FFF2-40B4-BE49-F238E27FC236}">
+                  <a16:creationId xmlns:a16="http://schemas.microsoft.com/office/drawing/2014/main" id="{360B5815-BDFC-48BF-8FCD-2B3244117FEC}"/>
+                </a:ext>
+              </a:extLst>
+            </p:cNvPr>
+            <p:cNvSpPr/>
+            <p:nvPr/>
+          </p:nvSpPr>
+          <p:spPr>
+            <a:xfrm rot="5400000">
+              <a:off x="3855638" y="5818985"/>
+              <a:ext cx="133106" cy="133200"/>
+            </a:xfrm>
+            <a:prstGeom prst="rect">
+              <a:avLst/>
+            </a:prstGeom>
+            <a:solidFill>
+              <a:srgbClr val="FF0000"/>
+            </a:solidFill>
+            <a:ln w="25400">
+              <a:solidFill>
+                <a:schemeClr val="tx1"/>
+              </a:solidFill>
+            </a:ln>
+          </p:spPr>
+          <p:style>
+            <a:lnRef idx="2">
+              <a:schemeClr val="accent1">
+                <a:shade val="50000"/>
+              </a:schemeClr>
+            </a:lnRef>
+            <a:fillRef idx="1">
+              <a:schemeClr val="accent1"/>
+            </a:fillRef>
+            <a:effectRef idx="0">
+              <a:schemeClr val="accent1"/>
+            </a:effectRef>
+            <a:fontRef idx="minor">
+              <a:schemeClr val="lt1"/>
+            </a:fontRef>
+          </p:style>
+          <p:txBody>
+            <a:bodyPr rtlCol="0" anchor="ctr"/>
+            <a:lstStyle/>
+            <a:p>
+              <a:pPr algn="ctr"/>
+              <a:endParaRPr lang="fr-FR" dirty="0"/>
+            </a:p>
+          </p:txBody>
+        </p:sp>
+        <p:sp>
+          <p:nvSpPr>
+            <p:cNvPr id="135" name="Rectangle 134">
+              <a:extLst>
+                <a:ext uri="{FF2B5EF4-FFF2-40B4-BE49-F238E27FC236}">
+                  <a16:creationId xmlns:a16="http://schemas.microsoft.com/office/drawing/2014/main" id="{893A858A-43D7-47EA-9001-53D99858BD56}"/>
+                </a:ext>
+              </a:extLst>
+            </p:cNvPr>
+            <p:cNvSpPr/>
+            <p:nvPr/>
+          </p:nvSpPr>
+          <p:spPr>
+            <a:xfrm rot="5400000">
+              <a:off x="5267399" y="5692651"/>
+              <a:ext cx="133106" cy="133200"/>
+            </a:xfrm>
+            <a:prstGeom prst="rect">
+              <a:avLst/>
+            </a:prstGeom>
+            <a:ln w="25400">
+              <a:solidFill>
+                <a:schemeClr val="tx1"/>
+              </a:solidFill>
+            </a:ln>
+          </p:spPr>
+          <p:style>
+            <a:lnRef idx="2">
+              <a:schemeClr val="accent1">
+                <a:shade val="50000"/>
+              </a:schemeClr>
+            </a:lnRef>
+            <a:fillRef idx="1">
+              <a:schemeClr val="accent1"/>
+            </a:fillRef>
+            <a:effectRef idx="0">
+              <a:schemeClr val="accent1"/>
+            </a:effectRef>
+            <a:fontRef idx="minor">
+              <a:schemeClr val="lt1"/>
+            </a:fontRef>
+          </p:style>
+          <p:txBody>
+            <a:bodyPr rtlCol="0" anchor="ctr"/>
+            <a:lstStyle/>
+            <a:p>
+              <a:pPr algn="ctr"/>
+              <a:endParaRPr lang="fr-FR" dirty="0"/>
+            </a:p>
+          </p:txBody>
+        </p:sp>
+        <p:sp>
+          <p:nvSpPr>
+            <p:cNvPr id="136" name="Rectangle 135">
+              <a:extLst>
+                <a:ext uri="{FF2B5EF4-FFF2-40B4-BE49-F238E27FC236}">
+                  <a16:creationId xmlns:a16="http://schemas.microsoft.com/office/drawing/2014/main" id="{977951E6-0BDC-4D77-A0F6-BC35BB160966}"/>
+                </a:ext>
+              </a:extLst>
+            </p:cNvPr>
+            <p:cNvSpPr/>
+            <p:nvPr/>
+          </p:nvSpPr>
+          <p:spPr>
+            <a:xfrm rot="5400000">
+              <a:off x="5267399" y="5825757"/>
+              <a:ext cx="133106" cy="133200"/>
+            </a:xfrm>
+            <a:prstGeom prst="rect">
+              <a:avLst/>
+            </a:prstGeom>
+            <a:solidFill>
+              <a:srgbClr val="FF0000"/>
+            </a:solidFill>
+            <a:ln w="25400">
+              <a:solidFill>
+                <a:schemeClr val="tx1"/>
+              </a:solidFill>
+            </a:ln>
+          </p:spPr>
+          <p:style>
+            <a:lnRef idx="2">
+              <a:schemeClr val="accent1">
+                <a:shade val="50000"/>
+              </a:schemeClr>
+            </a:lnRef>
+            <a:fillRef idx="1">
+              <a:schemeClr val="accent1"/>
+            </a:fillRef>
+            <a:effectRef idx="0">
+              <a:schemeClr val="accent1"/>
+            </a:effectRef>
+            <a:fontRef idx="minor">
+              <a:schemeClr val="lt1"/>
+            </a:fontRef>
+          </p:style>
+          <p:txBody>
+            <a:bodyPr rtlCol="0" anchor="ctr"/>
+            <a:lstStyle/>
+            <a:p>
+              <a:pPr algn="ctr"/>
+              <a:endParaRPr lang="fr-FR" dirty="0"/>
+            </a:p>
+          </p:txBody>
+        </p:sp>
+      </p:grpSp>
+      <p:cxnSp>
+        <p:nvCxnSpPr>
+          <p:cNvPr id="11" name="Connecteur : en angle 10">
+            <a:extLst>
+              <a:ext uri="{FF2B5EF4-FFF2-40B4-BE49-F238E27FC236}">
+                <a16:creationId xmlns:a16="http://schemas.microsoft.com/office/drawing/2014/main" id="{E15C9BB5-82D3-41C2-854C-20FBC37DC448}"/>
+              </a:ext>
+            </a:extLst>
+          </p:cNvPr>
+          <p:cNvCxnSpPr>
+            <a:stCxn id="136" idx="0"/>
+            <a:endCxn id="85" idx="3"/>
+          </p:cNvCxnSpPr>
+          <p:nvPr/>
+        </p:nvCxnSpPr>
+        <p:spPr>
+          <a:xfrm flipH="1" flipV="1">
+            <a:off x="5349629" y="5068050"/>
+            <a:ext cx="50923" cy="824307"/>
+          </a:xfrm>
+          <a:prstGeom prst="bentConnector5">
+            <a:avLst>
+              <a:gd name="adj1" fmla="val -448913"/>
+              <a:gd name="adj2" fmla="val 51178"/>
+              <a:gd name="adj3" fmla="val 548913"/>
+            </a:avLst>
+          </a:prstGeom>
+          <a:ln w="25400">
+            <a:solidFill>
+              <a:srgbClr val="FF0000"/>
+            </a:solidFill>
+            <a:tailEnd type="triangle"/>
+          </a:ln>
+        </p:spPr>
+        <p:style>
+          <a:lnRef idx="1">
+            <a:schemeClr val="accent1"/>
+          </a:lnRef>
+          <a:fillRef idx="0">
+            <a:schemeClr val="accent1"/>
+          </a:fillRef>
+          <a:effectRef idx="0">
+            <a:schemeClr val="accent1"/>
+          </a:effectRef>
+          <a:fontRef idx="minor">
+            <a:schemeClr val="tx1"/>
+          </a:fontRef>
+        </p:style>
+      </p:cxnSp>
+      <p:cxnSp>
+        <p:nvCxnSpPr>
+          <p:cNvPr id="20" name="Connecteur : en angle 19">
+            <a:extLst>
+              <a:ext uri="{FF2B5EF4-FFF2-40B4-BE49-F238E27FC236}">
+                <a16:creationId xmlns:a16="http://schemas.microsoft.com/office/drawing/2014/main" id="{0890FED5-C3D2-4714-BB28-7DFDE0F4310A}"/>
+              </a:ext>
+            </a:extLst>
+          </p:cNvPr>
+          <p:cNvCxnSpPr>
+            <a:stCxn id="133" idx="2"/>
+            <a:endCxn id="47" idx="3"/>
+          </p:cNvCxnSpPr>
+          <p:nvPr/>
+        </p:nvCxnSpPr>
+        <p:spPr>
+          <a:xfrm rot="10800000" flipH="1">
+            <a:off x="3855591" y="2294493"/>
+            <a:ext cx="736000" cy="3457986"/>
+          </a:xfrm>
+          <a:prstGeom prst="bentConnector4">
+            <a:avLst>
+              <a:gd name="adj1" fmla="val -16632"/>
+              <a:gd name="adj2" fmla="val 51243"/>
+            </a:avLst>
+          </a:prstGeom>
+          <a:ln w="25400">
+            <a:solidFill>
+              <a:schemeClr val="accent1">
+                <a:lumMod val="60000"/>
+                <a:lumOff val="40000"/>
               </a:schemeClr>
             </a:solidFill>
             <a:tailEnd type="triangle"/>
